--- a/resources/business experiment/alimentos.pptx
+++ b/resources/business experiment/alimentos.pptx
@@ -111,6 +111,11 @@
       </a:defRPr>
     </a:lvl9pPr>
   </p:defaultTextStyle>
+  <p:extLst>
+    <p:ext uri="{EFAFB233-063F-42B5-8137-9DF3F51BA10A}">
+      <p15:sldGuideLst xmlns:p15="http://schemas.microsoft.com/office/powerpoint/2012/main"/>
+    </p:ext>
+  </p:extLst>
 </p:presentation>
 </file>
 
@@ -5807,102 +5812,51 @@
           </a:prstGeom>
         </p:spPr>
       </p:pic>
-      <p:grpSp>
-        <p:nvGrpSpPr>
-          <p:cNvPr id="9" name="Grupo 8">
-            <a:extLst>
-              <a:ext uri="{FF2B5EF4-FFF2-40B4-BE49-F238E27FC236}">
-                <a16:creationId xmlns:a16="http://schemas.microsoft.com/office/drawing/2014/main" id="{8F73C358-7BF0-4C39-8FA4-6ABE2888BE4A}"/>
-              </a:ext>
-            </a:extLst>
-          </p:cNvPr>
-          <p:cNvGrpSpPr/>
+      <p:pic>
+        <p:nvPicPr>
+          <p:cNvPr id="1026" name="Picture 2" descr="Ver las imágenes de origen">
+            <a:extLst>
+              <a:ext uri="{FF2B5EF4-FFF2-40B4-BE49-F238E27FC236}">
+                <a16:creationId xmlns:a16="http://schemas.microsoft.com/office/drawing/2014/main" id="{F9C12DB7-32B1-4E2B-912A-08DED7810526}"/>
+              </a:ext>
+            </a:extLst>
+          </p:cNvPr>
+          <p:cNvPicPr preferRelativeResize="0">
+            <a:picLocks noChangeAspect="1" noChangeArrowheads="1"/>
+          </p:cNvPicPr>
           <p:nvPr/>
-        </p:nvGrpSpPr>
-        <p:grpSpPr>
+        </p:nvPicPr>
+        <p:blipFill rotWithShape="1">
+          <a:blip r:embed="rId6">
+            <a:extLst>
+              <a:ext uri="{28A0092B-C50C-407E-A947-70E740481C1C}">
+                <a14:useLocalDpi xmlns:a14="http://schemas.microsoft.com/office/drawing/2010/main" val="0"/>
+              </a:ext>
+            </a:extLst>
+          </a:blip>
+          <a:srcRect l="28966" t="5478" r="29201" b="12665"/>
+          <a:stretch/>
+        </p:blipFill>
+        <p:spPr bwMode="auto">
           <a:xfrm>
             <a:off x="5502084" y="923266"/>
             <a:ext cx="1187831" cy="2505734"/>
-            <a:chOff x="5645020" y="1084200"/>
-            <a:chExt cx="1187831" cy="2505734"/>
           </a:xfrm>
-        </p:grpSpPr>
-        <p:pic>
-          <p:nvPicPr>
-            <p:cNvPr id="1026" name="Picture 2" descr="Ver las imágenes de origen">
-              <a:extLst>
-                <a:ext uri="{FF2B5EF4-FFF2-40B4-BE49-F238E27FC236}">
-                  <a16:creationId xmlns:a16="http://schemas.microsoft.com/office/drawing/2014/main" id="{F9C12DB7-32B1-4E2B-912A-08DED7810526}"/>
-                </a:ext>
-              </a:extLst>
-            </p:cNvPr>
-            <p:cNvPicPr preferRelativeResize="0">
-              <a:picLocks noChangeAspect="1" noChangeArrowheads="1"/>
-            </p:cNvPicPr>
-            <p:nvPr/>
-          </p:nvPicPr>
-          <p:blipFill rotWithShape="1">
-            <a:blip r:embed="rId6">
-              <a:extLst>
-                <a:ext uri="{28A0092B-C50C-407E-A947-70E740481C1C}">
-                  <a14:useLocalDpi xmlns:a14="http://schemas.microsoft.com/office/drawing/2010/main" val="0"/>
-                </a:ext>
-              </a:extLst>
-            </a:blip>
-            <a:srcRect l="28966" t="5478" r="29201" b="12665"/>
-            <a:stretch/>
-          </p:blipFill>
-          <p:spPr bwMode="auto">
-            <a:xfrm>
-              <a:off x="5645020" y="1084200"/>
-              <a:ext cx="1187831" cy="2505734"/>
-            </a:xfrm>
-            <a:prstGeom prst="rect">
-              <a:avLst/>
-            </a:prstGeom>
-            <a:noFill/>
-            <a:extLst>
-              <a:ext uri="{909E8E84-426E-40DD-AFC4-6F175D3DCCD1}">
-                <a14:hiddenFill xmlns:a14="http://schemas.microsoft.com/office/drawing/2010/main">
-                  <a:solidFill>
-                    <a:srgbClr val="FFFFFF"/>
-                  </a:solidFill>
-                </a14:hiddenFill>
-              </a:ext>
-            </a:extLst>
-          </p:spPr>
-        </p:pic>
-        <p:pic>
-          <p:nvPicPr>
-            <p:cNvPr id="7" name="Imagen 6">
-              <a:extLst>
-                <a:ext uri="{FF2B5EF4-FFF2-40B4-BE49-F238E27FC236}">
-                  <a16:creationId xmlns:a16="http://schemas.microsoft.com/office/drawing/2014/main" id="{375C36DF-B1B3-4521-91F9-1E3877723ABB}"/>
-                </a:ext>
-              </a:extLst>
-            </p:cNvPr>
-            <p:cNvPicPr preferRelativeResize="0">
-              <a:picLocks noChangeAspect="1"/>
-            </p:cNvPicPr>
-            <p:nvPr/>
-          </p:nvPicPr>
-          <p:blipFill>
-            <a:blip r:embed="rId7"/>
-            <a:stretch>
-              <a:fillRect/>
-            </a:stretch>
-          </p:blipFill>
-          <p:spPr>
-            <a:xfrm>
-              <a:off x="5673542" y="1252097"/>
-              <a:ext cx="1132123" cy="2167820"/>
-            </a:xfrm>
-            <a:prstGeom prst="rect">
-              <a:avLst/>
-            </a:prstGeom>
-          </p:spPr>
-        </p:pic>
-      </p:grpSp>
+          <a:prstGeom prst="rect">
+            <a:avLst/>
+          </a:prstGeom>
+          <a:noFill/>
+          <a:extLst>
+            <a:ext uri="{909E8E84-426E-40DD-AFC4-6F175D3DCCD1}">
+              <a14:hiddenFill xmlns:a14="http://schemas.microsoft.com/office/drawing/2010/main">
+                <a:solidFill>
+                  <a:srgbClr val="FFFFFF"/>
+                </a:solidFill>
+              </a14:hiddenFill>
+            </a:ext>
+          </a:extLst>
+        </p:spPr>
+      </p:pic>
       <p:pic>
         <p:nvPicPr>
           <p:cNvPr id="14" name="Imagen 13">
@@ -5918,7 +5872,7 @@
           <p:nvPr/>
         </p:nvPicPr>
         <p:blipFill>
-          <a:blip r:embed="rId8">
+          <a:blip r:embed="rId7">
             <a:extLst>
               <a:ext uri="{28A0092B-C50C-407E-A947-70E740481C1C}">
                 <a14:useLocalDpi xmlns:a14="http://schemas.microsoft.com/office/drawing/2010/main" val="0"/>
@@ -5954,7 +5908,7 @@
           <p:nvPr/>
         </p:nvPicPr>
         <p:blipFill>
-          <a:blip r:embed="rId8">
+          <a:blip r:embed="rId7">
             <a:extLst>
               <a:ext uri="{28A0092B-C50C-407E-A947-70E740481C1C}">
                 <a14:useLocalDpi xmlns:a14="http://schemas.microsoft.com/office/drawing/2010/main" val="0"/>
@@ -5990,7 +5944,7 @@
           <p:nvPr/>
         </p:nvPicPr>
         <p:blipFill rotWithShape="1">
-          <a:blip r:embed="rId9">
+          <a:blip r:embed="rId8">
             <a:extLst>
               <a:ext uri="{28A0092B-C50C-407E-A947-70E740481C1C}">
                 <a14:useLocalDpi xmlns:a14="http://schemas.microsoft.com/office/drawing/2010/main" val="0"/>
@@ -6035,7 +5989,7 @@
           <p:nvPr/>
         </p:nvPicPr>
         <p:blipFill>
-          <a:blip r:embed="rId10">
+          <a:blip r:embed="rId9">
             <a:extLst>
               <a:ext uri="{28A0092B-C50C-407E-A947-70E740481C1C}">
                 <a14:useLocalDpi xmlns:a14="http://schemas.microsoft.com/office/drawing/2010/main" val="0"/>
@@ -6082,7 +6036,7 @@
           <p:nvPr/>
         </p:nvPicPr>
         <p:blipFill>
-          <a:blip r:embed="rId11">
+          <a:blip r:embed="rId10">
             <a:extLst>
               <a:ext uri="{28A0092B-C50C-407E-A947-70E740481C1C}">
                 <a14:useLocalDpi xmlns:a14="http://schemas.microsoft.com/office/drawing/2010/main" val="0"/>
@@ -6129,7 +6083,7 @@
           <p:nvPr/>
         </p:nvPicPr>
         <p:blipFill>
-          <a:blip r:embed="rId12">
+          <a:blip r:embed="rId11">
             <a:extLst>
               <a:ext uri="{28A0092B-C50C-407E-A947-70E740481C1C}">
                 <a14:useLocalDpi xmlns:a14="http://schemas.microsoft.com/office/drawing/2010/main" val="0"/>
@@ -6176,7 +6130,7 @@
           <p:nvPr/>
         </p:nvPicPr>
         <p:blipFill>
-          <a:blip r:embed="rId13">
+          <a:blip r:embed="rId12">
             <a:extLst>
               <a:ext uri="{28A0092B-C50C-407E-A947-70E740481C1C}">
                 <a14:useLocalDpi xmlns:a14="http://schemas.microsoft.com/office/drawing/2010/main" val="0"/>
@@ -6223,7 +6177,7 @@
           <p:nvPr/>
         </p:nvPicPr>
         <p:blipFill>
-          <a:blip r:embed="rId14">
+          <a:blip r:embed="rId13">
             <a:extLst>
               <a:ext uri="{28A0092B-C50C-407E-A947-70E740481C1C}">
                 <a14:useLocalDpi xmlns:a14="http://schemas.microsoft.com/office/drawing/2010/main" val="0"/>
@@ -6253,6 +6207,36 @@
               </a14:hiddenFill>
             </a:ext>
           </a:extLst>
+        </p:spPr>
+      </p:pic>
+      <p:pic>
+        <p:nvPicPr>
+          <p:cNvPr id="4" name="Imagen 3">
+            <a:extLst>
+              <a:ext uri="{FF2B5EF4-FFF2-40B4-BE49-F238E27FC236}">
+                <a16:creationId xmlns:a16="http://schemas.microsoft.com/office/drawing/2014/main" id="{1A2846C6-97CD-44B0-B260-C2F0EF7EDB6B}"/>
+              </a:ext>
+            </a:extLst>
+          </p:cNvPr>
+          <p:cNvPicPr>
+            <a:picLocks noChangeAspect="1"/>
+          </p:cNvPicPr>
+          <p:nvPr/>
+        </p:nvPicPr>
+        <p:blipFill>
+          <a:blip r:embed="rId14"/>
+          <a:stretch>
+            <a:fillRect/>
+          </a:stretch>
+        </p:blipFill>
+        <p:spPr>
+          <a:xfrm>
+            <a:off x="5675525" y="1077065"/>
+            <a:ext cx="1136363" cy="2505734"/>
+          </a:xfrm>
+          <a:prstGeom prst="rect">
+            <a:avLst/>
+          </a:prstGeom>
         </p:spPr>
       </p:pic>
     </p:spTree>
